--- a/PsychoSlav_2024_JsPsych.pptx
+++ b/PsychoSlav_2024_JsPsych.pptx
@@ -13,14 +13,15 @@
     <p:sldId id="257" r:id="rId8"/>
     <p:sldId id="258" r:id="rId9"/>
     <p:sldId id="259" r:id="rId10"/>
+    <p:sldId id="260" r:id="rId11"/>
   </p:sldIdLst>
   <p:sldSz cy="5143500" cx="9144000"/>
   <p:notesSz cx="6858000" cy="9144000"/>
   <p:embeddedFontLst>
     <p:embeddedFont>
-      <p:font typeface="Yanone Kaffeesatz"/>
-      <p:regular r:id="rId11"/>
-      <p:bold r:id="rId12"/>
+      <p:font typeface="Yanone Kaffeesatz Light"/>
+      <p:regular r:id="rId12"/>
+      <p:bold r:id="rId13"/>
     </p:embeddedFont>
   </p:embeddedFontLst>
   <p:defaultTextStyle>
@@ -815,7 +816,7 @@
       </p:grpSpPr>
       <p:sp>
         <p:nvSpPr>
-          <p:cNvPr id="106" name="Google Shape;106;g26db3928dca_0_54:notes"/>
+          <p:cNvPr id="106" name="Google Shape;106;g2eafe5918fe_0_0:notes"/>
           <p:cNvSpPr/>
           <p:nvPr>
             <p:ph idx="2" type="sldImg"/>
@@ -850,7 +851,7 @@
       </p:sp>
       <p:sp>
         <p:nvSpPr>
-          <p:cNvPr id="107" name="Google Shape;107;g26db3928dca_0_54:notes"/>
+          <p:cNvPr id="107" name="Google Shape;107;g2eafe5918fe_0_0:notes"/>
           <p:cNvSpPr txBox="1"/>
           <p:nvPr>
             <p:ph idx="1" type="body"/>
@@ -900,7 +901,7 @@
   <p:cSld>
     <p:spTree>
       <p:nvGrpSpPr>
-        <p:cNvPr id="113" name="Shape 113"/>
+        <p:cNvPr id="111" name="Shape 111"/>
         <p:cNvGrpSpPr/>
         <p:nvPr/>
       </p:nvGrpSpPr>
@@ -914,7 +915,7 @@
       </p:grpSpPr>
       <p:sp>
         <p:nvSpPr>
-          <p:cNvPr id="114" name="Google Shape;114;g26db3928dca_0_1:notes"/>
+          <p:cNvPr id="112" name="Google Shape;112;g26db3928dca_0_54:notes"/>
           <p:cNvSpPr/>
           <p:nvPr>
             <p:ph idx="2" type="sldImg"/>
@@ -949,7 +950,7 @@
       </p:sp>
       <p:sp>
         <p:nvSpPr>
-          <p:cNvPr id="115" name="Google Shape;115;g26db3928dca_0_1:notes"/>
+          <p:cNvPr id="113" name="Google Shape;113;g26db3928dca_0_54:notes"/>
           <p:cNvSpPr txBox="1"/>
           <p:nvPr>
             <p:ph idx="1" type="body"/>
@@ -1013,7 +1014,7 @@
       </p:grpSpPr>
       <p:sp>
         <p:nvSpPr>
-          <p:cNvPr id="120" name="Google Shape;120;g2eac82d1785_0_4:notes"/>
+          <p:cNvPr id="120" name="Google Shape;120;g26db3928dca_0_1:notes"/>
           <p:cNvSpPr/>
           <p:nvPr>
             <p:ph idx="2" type="sldImg"/>
@@ -1048,7 +1049,106 @@
       </p:sp>
       <p:sp>
         <p:nvSpPr>
-          <p:cNvPr id="121" name="Google Shape;121;g2eac82d1785_0_4:notes"/>
+          <p:cNvPr id="121" name="Google Shape;121;g26db3928dca_0_1:notes"/>
+          <p:cNvSpPr txBox="1"/>
+          <p:nvPr>
+            <p:ph idx="1" type="body"/>
+          </p:nvPr>
+        </p:nvSpPr>
+        <p:spPr>
+          <a:xfrm>
+            <a:off x="685800" y="4343400"/>
+            <a:ext cx="5486400" cy="4114800"/>
+          </a:xfrm>
+          <a:prstGeom prst="rect">
+            <a:avLst/>
+          </a:prstGeom>
+        </p:spPr>
+        <p:txBody>
+          <a:bodyPr anchorCtr="0" anchor="t" bIns="91425" lIns="91425" spcFirstLastPara="1" rIns="91425" wrap="square" tIns="91425">
+            <a:noAutofit/>
+          </a:bodyPr>
+          <a:lstStyle/>
+          <a:p>
+            <a:pPr indent="0" lvl="0" marL="0" rtl="0" algn="l">
+              <a:spcBef>
+                <a:spcPts val="0"/>
+              </a:spcBef>
+              <a:spcAft>
+                <a:spcPts val="0"/>
+              </a:spcAft>
+              <a:buNone/>
+            </a:pPr>
+            <a:r>
+              <a:t/>
+            </a:r>
+            <a:endParaRPr/>
+          </a:p>
+        </p:txBody>
+      </p:sp>
+    </p:spTree>
+  </p:cSld>
+  <p:clrMapOvr>
+    <a:masterClrMapping/>
+  </p:clrMapOvr>
+</p:notes>
+</file>
+
+<file path=ppt/notesSlides/notesSlide5.xml><?xml version="1.0" encoding="utf-8"?>
+<p:notes xmlns:a="http://schemas.openxmlformats.org/drawingml/2006/main" xmlns:r="http://schemas.openxmlformats.org/officeDocument/2006/relationships" xmlns:mc="http://schemas.openxmlformats.org/markup-compatibility/2006" xmlns:mv="urn:schemas-microsoft-com:mac:vml" xmlns:p="http://schemas.openxmlformats.org/presentationml/2006/main" xmlns:c="http://schemas.openxmlformats.org/drawingml/2006/chart" xmlns:dgm="http://schemas.openxmlformats.org/drawingml/2006/diagram" xmlns:o="urn:schemas-microsoft-com:office:office" xmlns:v="urn:schemas-microsoft-com:vml" xmlns:pvml="urn:schemas-microsoft-com:office:powerpoint" xmlns:com="http://schemas.openxmlformats.org/drawingml/2006/compatibility" xmlns:p14="http://schemas.microsoft.com/office/powerpoint/2010/main" xmlns:p15="http://schemas.microsoft.com/office/powerpoint/2012/main" xmlns:ahyp="http://schemas.microsoft.com/office/drawing/2018/hyperlinkcolor" showMasterPhAnim="0" showMasterSp="0">
+  <p:cSld>
+    <p:spTree>
+      <p:nvGrpSpPr>
+        <p:cNvPr id="125" name="Shape 125"/>
+        <p:cNvGrpSpPr/>
+        <p:nvPr/>
+      </p:nvGrpSpPr>
+      <p:grpSpPr>
+        <a:xfrm>
+          <a:off x="0" y="0"/>
+          <a:ext cx="0" cy="0"/>
+          <a:chOff x="0" y="0"/>
+          <a:chExt cx="0" cy="0"/>
+        </a:xfrm>
+      </p:grpSpPr>
+      <p:sp>
+        <p:nvSpPr>
+          <p:cNvPr id="126" name="Google Shape;126;g2eac82d1785_0_4:notes"/>
+          <p:cNvSpPr/>
+          <p:nvPr>
+            <p:ph idx="2" type="sldImg"/>
+          </p:nvPr>
+        </p:nvSpPr>
+        <p:spPr>
+          <a:xfrm>
+            <a:off x="381300" y="685800"/>
+            <a:ext cx="6096000" cy="3429000"/>
+          </a:xfrm>
+          <a:custGeom>
+            <a:rect b="b" l="l" r="r" t="t"/>
+            <a:pathLst>
+              <a:path extrusionOk="0" h="120000" w="120000">
+                <a:moveTo>
+                  <a:pt x="0" y="0"/>
+                </a:moveTo>
+                <a:lnTo>
+                  <a:pt x="120000" y="0"/>
+                </a:lnTo>
+                <a:lnTo>
+                  <a:pt x="120000" y="120000"/>
+                </a:lnTo>
+                <a:lnTo>
+                  <a:pt x="0" y="120000"/>
+                </a:lnTo>
+                <a:close/>
+              </a:path>
+            </a:pathLst>
+          </a:custGeom>
+        </p:spPr>
+      </p:sp>
+      <p:sp>
+        <p:nvSpPr>
+          <p:cNvPr id="127" name="Google Shape;127;g2eac82d1785_0_4:notes"/>
           <p:cNvSpPr txBox="1"/>
           <p:nvPr>
             <p:ph idx="1" type="body"/>
@@ -10454,10 +10554,10 @@
                 <a:solidFill>
                   <a:schemeClr val="lt1"/>
                 </a:solidFill>
-                <a:latin typeface="Yanone Kaffeesatz"/>
-                <a:ea typeface="Yanone Kaffeesatz"/>
-                <a:cs typeface="Yanone Kaffeesatz"/>
-                <a:sym typeface="Yanone Kaffeesatz"/>
+                <a:latin typeface="Yanone Kaffeesatz Light"/>
+                <a:ea typeface="Yanone Kaffeesatz Light"/>
+                <a:cs typeface="Yanone Kaffeesatz Light"/>
+                <a:sym typeface="Yanone Kaffeesatz Light"/>
               </a:rPr>
               <a:t>Introduction to online research: JsPsych and Cognition.run</a:t>
             </a:r>
@@ -10465,10 +10565,10 @@
               <a:solidFill>
                 <a:schemeClr val="lt1"/>
               </a:solidFill>
-              <a:latin typeface="Yanone Kaffeesatz"/>
-              <a:ea typeface="Yanone Kaffeesatz"/>
-              <a:cs typeface="Yanone Kaffeesatz"/>
-              <a:sym typeface="Yanone Kaffeesatz"/>
+              <a:latin typeface="Yanone Kaffeesatz Light"/>
+              <a:ea typeface="Yanone Kaffeesatz Light"/>
+              <a:cs typeface="Yanone Kaffeesatz Light"/>
+              <a:sym typeface="Yanone Kaffeesatz Light"/>
             </a:endParaRPr>
           </a:p>
           <a:p>
@@ -10489,10 +10589,10 @@
                 <a:solidFill>
                   <a:srgbClr val="CCCCCC"/>
                 </a:solidFill>
-                <a:latin typeface="Yanone Kaffeesatz"/>
-                <a:ea typeface="Yanone Kaffeesatz"/>
-                <a:cs typeface="Yanone Kaffeesatz"/>
-                <a:sym typeface="Yanone Kaffeesatz"/>
+                <a:latin typeface="Yanone Kaffeesatz Light"/>
+                <a:ea typeface="Yanone Kaffeesatz Light"/>
+                <a:cs typeface="Yanone Kaffeesatz Light"/>
+                <a:sym typeface="Yanone Kaffeesatz Light"/>
               </a:rPr>
               <a:t>James Brand</a:t>
             </a:r>
@@ -10500,10 +10600,10 @@
               <a:solidFill>
                 <a:srgbClr val="CCCCCC"/>
               </a:solidFill>
-              <a:latin typeface="Yanone Kaffeesatz"/>
-              <a:ea typeface="Yanone Kaffeesatz"/>
-              <a:cs typeface="Yanone Kaffeesatz"/>
-              <a:sym typeface="Yanone Kaffeesatz"/>
+              <a:latin typeface="Yanone Kaffeesatz Light"/>
+              <a:ea typeface="Yanone Kaffeesatz Light"/>
+              <a:cs typeface="Yanone Kaffeesatz Light"/>
+              <a:sym typeface="Yanone Kaffeesatz Light"/>
             </a:endParaRPr>
           </a:p>
           <a:p>
@@ -10529,10 +10629,10 @@
                 <a:solidFill>
                   <a:srgbClr val="CCCCCC"/>
                 </a:solidFill>
-                <a:latin typeface="Yanone Kaffeesatz"/>
-                <a:ea typeface="Yanone Kaffeesatz"/>
-                <a:cs typeface="Yanone Kaffeesatz"/>
-                <a:sym typeface="Yanone Kaffeesatz"/>
+                <a:latin typeface="Yanone Kaffeesatz Light"/>
+                <a:ea typeface="Yanone Kaffeesatz Light"/>
+                <a:cs typeface="Yanone Kaffeesatz Light"/>
+                <a:sym typeface="Yanone Kaffeesatz Light"/>
               </a:rPr>
               <a:t>Edge Hill University</a:t>
             </a:r>
@@ -10540,10 +10640,10 @@
               <a:solidFill>
                 <a:srgbClr val="CCCCCC"/>
               </a:solidFill>
-              <a:latin typeface="Yanone Kaffeesatz"/>
-              <a:ea typeface="Yanone Kaffeesatz"/>
-              <a:cs typeface="Yanone Kaffeesatz"/>
-              <a:sym typeface="Yanone Kaffeesatz"/>
+              <a:latin typeface="Yanone Kaffeesatz Light"/>
+              <a:ea typeface="Yanone Kaffeesatz Light"/>
+              <a:cs typeface="Yanone Kaffeesatz Light"/>
+              <a:sym typeface="Yanone Kaffeesatz Light"/>
             </a:endParaRPr>
           </a:p>
           <a:p>
@@ -10569,10 +10669,10 @@
                 <a:solidFill>
                   <a:srgbClr val="CCCCCC"/>
                 </a:solidFill>
-                <a:latin typeface="Yanone Kaffeesatz"/>
-                <a:ea typeface="Yanone Kaffeesatz"/>
-                <a:cs typeface="Yanone Kaffeesatz"/>
-                <a:sym typeface="Yanone Kaffeesatz"/>
+                <a:latin typeface="Yanone Kaffeesatz Light"/>
+                <a:ea typeface="Yanone Kaffeesatz Light"/>
+                <a:cs typeface="Yanone Kaffeesatz Light"/>
+                <a:sym typeface="Yanone Kaffeesatz Light"/>
               </a:rPr>
               <a:t>james.brand.ac@gmail.com</a:t>
             </a:r>
@@ -10580,10 +10680,10 @@
               <a:solidFill>
                 <a:srgbClr val="CCCCCC"/>
               </a:solidFill>
-              <a:latin typeface="Yanone Kaffeesatz"/>
-              <a:ea typeface="Yanone Kaffeesatz"/>
-              <a:cs typeface="Yanone Kaffeesatz"/>
-              <a:sym typeface="Yanone Kaffeesatz"/>
+              <a:latin typeface="Yanone Kaffeesatz Light"/>
+              <a:ea typeface="Yanone Kaffeesatz Light"/>
+              <a:cs typeface="Yanone Kaffeesatz Light"/>
+              <a:sym typeface="Yanone Kaffeesatz Light"/>
             </a:endParaRPr>
           </a:p>
           <a:p>
@@ -10611,10 +10711,10 @@
               <a:solidFill>
                 <a:srgbClr val="CCCCCC"/>
               </a:solidFill>
-              <a:latin typeface="Yanone Kaffeesatz"/>
-              <a:ea typeface="Yanone Kaffeesatz"/>
-              <a:cs typeface="Yanone Kaffeesatz"/>
-              <a:sym typeface="Yanone Kaffeesatz"/>
+              <a:latin typeface="Yanone Kaffeesatz Light"/>
+              <a:ea typeface="Yanone Kaffeesatz Light"/>
+              <a:cs typeface="Yanone Kaffeesatz Light"/>
+              <a:sym typeface="Yanone Kaffeesatz Light"/>
             </a:endParaRPr>
           </a:p>
           <a:p>
@@ -10640,10 +10740,10 @@
                 <a:solidFill>
                   <a:srgbClr val="CCCCCC"/>
                 </a:solidFill>
-                <a:latin typeface="Yanone Kaffeesatz"/>
-                <a:ea typeface="Yanone Kaffeesatz"/>
-                <a:cs typeface="Yanone Kaffeesatz"/>
-                <a:sym typeface="Yanone Kaffeesatz"/>
+                <a:latin typeface="Yanone Kaffeesatz Light"/>
+                <a:ea typeface="Yanone Kaffeesatz Light"/>
+                <a:cs typeface="Yanone Kaffeesatz Light"/>
+                <a:sym typeface="Yanone Kaffeesatz Light"/>
               </a:rPr>
             </a:br>
             <a:r>
@@ -10651,10 +10751,10 @@
                 <a:solidFill>
                   <a:srgbClr val="CCCCCC"/>
                 </a:solidFill>
-                <a:latin typeface="Yanone Kaffeesatz"/>
-                <a:ea typeface="Yanone Kaffeesatz"/>
-                <a:cs typeface="Yanone Kaffeesatz"/>
-                <a:sym typeface="Yanone Kaffeesatz"/>
+                <a:latin typeface="Yanone Kaffeesatz Light"/>
+                <a:ea typeface="Yanone Kaffeesatz Light"/>
+                <a:cs typeface="Yanone Kaffeesatz Light"/>
+                <a:sym typeface="Yanone Kaffeesatz Light"/>
               </a:rPr>
               <a:t>09/07/2024, PsychoSlav - Wrocław</a:t>
             </a:r>
@@ -10662,10 +10762,10 @@
               <a:solidFill>
                 <a:schemeClr val="lt1"/>
               </a:solidFill>
-              <a:latin typeface="Yanone Kaffeesatz"/>
-              <a:ea typeface="Yanone Kaffeesatz"/>
-              <a:cs typeface="Yanone Kaffeesatz"/>
-              <a:sym typeface="Yanone Kaffeesatz"/>
+              <a:latin typeface="Yanone Kaffeesatz Light"/>
+              <a:ea typeface="Yanone Kaffeesatz Light"/>
+              <a:cs typeface="Yanone Kaffeesatz Light"/>
+              <a:sym typeface="Yanone Kaffeesatz Light"/>
             </a:endParaRPr>
           </a:p>
         </p:txBody>
@@ -10817,13 +10917,6 @@
 <file path=ppt/slides/slide2.xml><?xml version="1.0" encoding="utf-8"?>
 <p:sld xmlns:a="http://schemas.openxmlformats.org/drawingml/2006/main" xmlns:r="http://schemas.openxmlformats.org/officeDocument/2006/relationships" xmlns:mc="http://schemas.openxmlformats.org/markup-compatibility/2006" xmlns:mv="urn:schemas-microsoft-com:mac:vml" xmlns:p="http://schemas.openxmlformats.org/presentationml/2006/main" xmlns:c="http://schemas.openxmlformats.org/drawingml/2006/chart" xmlns:dgm="http://schemas.openxmlformats.org/drawingml/2006/diagram" xmlns:o="urn:schemas-microsoft-com:office:office" xmlns:v="urn:schemas-microsoft-com:vml" xmlns:pvml="urn:schemas-microsoft-com:office:powerpoint" xmlns:com="http://schemas.openxmlformats.org/drawingml/2006/compatibility" xmlns:p14="http://schemas.microsoft.com/office/powerpoint/2010/main" xmlns:p15="http://schemas.microsoft.com/office/powerpoint/2012/main" xmlns:ahyp="http://schemas.microsoft.com/office/drawing/2018/hyperlinkcolor">
   <p:cSld>
-    <p:bg>
-      <p:bgPr>
-        <a:solidFill>
-          <a:srgbClr val="2A2A2A"/>
-        </a:solidFill>
-      </p:bgPr>
-    </p:bg>
     <p:spTree>
       <p:nvGrpSpPr>
         <p:cNvPr id="108" name="Shape 108"/>
@@ -10841,6 +10934,141 @@
       <p:sp>
         <p:nvSpPr>
           <p:cNvPr id="109" name="Google Shape;109;p26"/>
+          <p:cNvSpPr txBox="1"/>
+          <p:nvPr/>
+        </p:nvSpPr>
+        <p:spPr>
+          <a:xfrm>
+            <a:off x="253425" y="263425"/>
+            <a:ext cx="8632200" cy="1697700"/>
+          </a:xfrm>
+          <a:prstGeom prst="rect">
+            <a:avLst/>
+          </a:prstGeom>
+          <a:noFill/>
+          <a:ln>
+            <a:noFill/>
+          </a:ln>
+        </p:spPr>
+        <p:txBody>
+          <a:bodyPr anchorCtr="0" anchor="t" bIns="91425" lIns="91425" spcFirstLastPara="1" rIns="91425" wrap="square" tIns="91425">
+            <a:noAutofit/>
+          </a:bodyPr>
+          <a:lstStyle/>
+          <a:p>
+            <a:pPr indent="0" lvl="0" marL="0" rtl="0" algn="ctr">
+              <a:spcBef>
+                <a:spcPts val="0"/>
+              </a:spcBef>
+              <a:spcAft>
+                <a:spcPts val="0"/>
+              </a:spcAft>
+              <a:buNone/>
+            </a:pPr>
+            <a:r>
+              <a:rPr lang="en" sz="3400">
+                <a:solidFill>
+                  <a:schemeClr val="dk2"/>
+                </a:solidFill>
+              </a:rPr>
+              <a:t>Workshop materials</a:t>
+            </a:r>
+            <a:endParaRPr sz="3400">
+              <a:solidFill>
+                <a:schemeClr val="dk2"/>
+              </a:solidFill>
+            </a:endParaRPr>
+          </a:p>
+          <a:p>
+            <a:pPr indent="0" lvl="0" marL="0" rtl="0" algn="ctr">
+              <a:spcBef>
+                <a:spcPts val="0"/>
+              </a:spcBef>
+              <a:spcAft>
+                <a:spcPts val="0"/>
+              </a:spcAft>
+              <a:buNone/>
+            </a:pPr>
+            <a:r>
+              <a:rPr lang="en" sz="3400" u="sng">
+                <a:solidFill>
+                  <a:schemeClr val="hlink"/>
+                </a:solidFill>
+                <a:hlinkClick r:id="rId3"/>
+              </a:rPr>
+              <a:t>https://tinyurl.com/psychoslav-jspsych</a:t>
+            </a:r>
+            <a:endParaRPr sz="3400">
+              <a:solidFill>
+                <a:schemeClr val="dk2"/>
+              </a:solidFill>
+            </a:endParaRPr>
+          </a:p>
+        </p:txBody>
+      </p:sp>
+      <p:pic>
+        <p:nvPicPr>
+          <p:cNvPr id="110" name="Google Shape;110;p26"/>
+          <p:cNvPicPr preferRelativeResize="0"/>
+          <p:nvPr/>
+        </p:nvPicPr>
+        <p:blipFill>
+          <a:blip r:embed="rId4">
+            <a:alphaModFix/>
+          </a:blip>
+          <a:stretch>
+            <a:fillRect/>
+          </a:stretch>
+        </p:blipFill>
+        <p:spPr>
+          <a:xfrm>
+            <a:off x="3130726" y="1703000"/>
+            <a:ext cx="2830899" cy="2830899"/>
+          </a:xfrm>
+          <a:prstGeom prst="rect">
+            <a:avLst/>
+          </a:prstGeom>
+          <a:noFill/>
+          <a:ln>
+            <a:noFill/>
+          </a:ln>
+        </p:spPr>
+      </p:pic>
+    </p:spTree>
+  </p:cSld>
+  <p:clrMapOvr>
+    <a:masterClrMapping/>
+  </p:clrMapOvr>
+</p:sld>
+</file>
+
+<file path=ppt/slides/slide3.xml><?xml version="1.0" encoding="utf-8"?>
+<p:sld xmlns:a="http://schemas.openxmlformats.org/drawingml/2006/main" xmlns:r="http://schemas.openxmlformats.org/officeDocument/2006/relationships" xmlns:mc="http://schemas.openxmlformats.org/markup-compatibility/2006" xmlns:mv="urn:schemas-microsoft-com:mac:vml" xmlns:p="http://schemas.openxmlformats.org/presentationml/2006/main" xmlns:c="http://schemas.openxmlformats.org/drawingml/2006/chart" xmlns:dgm="http://schemas.openxmlformats.org/drawingml/2006/diagram" xmlns:o="urn:schemas-microsoft-com:office:office" xmlns:v="urn:schemas-microsoft-com:vml" xmlns:pvml="urn:schemas-microsoft-com:office:powerpoint" xmlns:com="http://schemas.openxmlformats.org/drawingml/2006/compatibility" xmlns:p14="http://schemas.microsoft.com/office/powerpoint/2010/main" xmlns:p15="http://schemas.microsoft.com/office/powerpoint/2012/main" xmlns:ahyp="http://schemas.microsoft.com/office/drawing/2018/hyperlinkcolor">
+  <p:cSld>
+    <p:bg>
+      <p:bgPr>
+        <a:solidFill>
+          <a:srgbClr val="2A2A2A"/>
+        </a:solidFill>
+      </p:bgPr>
+    </p:bg>
+    <p:spTree>
+      <p:nvGrpSpPr>
+        <p:cNvPr id="114" name="Shape 114"/>
+        <p:cNvGrpSpPr/>
+        <p:nvPr/>
+      </p:nvGrpSpPr>
+      <p:grpSpPr>
+        <a:xfrm>
+          <a:off x="0" y="0"/>
+          <a:ext cx="0" cy="0"/>
+          <a:chOff x="0" y="0"/>
+          <a:chExt cx="0" cy="0"/>
+        </a:xfrm>
+      </p:grpSpPr>
+      <p:sp>
+        <p:nvSpPr>
+          <p:cNvPr id="115" name="Google Shape;115;p27"/>
           <p:cNvSpPr txBox="1"/>
           <p:nvPr/>
         </p:nvSpPr>
@@ -11086,7 +11314,7 @@
       </p:sp>
       <p:pic>
         <p:nvPicPr>
-          <p:cNvPr id="110" name="Google Shape;110;p26"/>
+          <p:cNvPr id="116" name="Google Shape;116;p27"/>
           <p:cNvPicPr preferRelativeResize="0"/>
           <p:nvPr/>
         </p:nvPicPr>
@@ -11114,7 +11342,7 @@
       </p:pic>
       <p:pic>
         <p:nvPicPr>
-          <p:cNvPr id="111" name="Google Shape;111;p26"/>
+          <p:cNvPr id="117" name="Google Shape;117;p27"/>
           <p:cNvPicPr preferRelativeResize="0"/>
           <p:nvPr/>
         </p:nvPicPr>
@@ -11141,7 +11369,7 @@
       </p:pic>
       <p:cxnSp>
         <p:nvCxnSpPr>
-          <p:cNvPr id="112" name="Google Shape;112;p26"/>
+          <p:cNvPr id="118" name="Google Shape;118;p27"/>
           <p:cNvCxnSpPr/>
           <p:nvPr/>
         </p:nvCxnSpPr>
@@ -11165,134 +11393,6 @@
           </a:ln>
         </p:spPr>
       </p:cxnSp>
-    </p:spTree>
-  </p:cSld>
-  <p:clrMapOvr>
-    <a:masterClrMapping/>
-  </p:clrMapOvr>
-</p:sld>
-</file>
-
-<file path=ppt/slides/slide3.xml><?xml version="1.0" encoding="utf-8"?>
-<p:sld xmlns:a="http://schemas.openxmlformats.org/drawingml/2006/main" xmlns:r="http://schemas.openxmlformats.org/officeDocument/2006/relationships" xmlns:mc="http://schemas.openxmlformats.org/markup-compatibility/2006" xmlns:mv="urn:schemas-microsoft-com:mac:vml" xmlns:p="http://schemas.openxmlformats.org/presentationml/2006/main" xmlns:c="http://schemas.openxmlformats.org/drawingml/2006/chart" xmlns:dgm="http://schemas.openxmlformats.org/drawingml/2006/diagram" xmlns:o="urn:schemas-microsoft-com:office:office" xmlns:v="urn:schemas-microsoft-com:vml" xmlns:pvml="urn:schemas-microsoft-com:office:powerpoint" xmlns:com="http://schemas.openxmlformats.org/drawingml/2006/compatibility" xmlns:p14="http://schemas.microsoft.com/office/powerpoint/2010/main" xmlns:p15="http://schemas.microsoft.com/office/powerpoint/2012/main" xmlns:ahyp="http://schemas.microsoft.com/office/drawing/2018/hyperlinkcolor">
-  <p:cSld>
-    <p:spTree>
-      <p:nvGrpSpPr>
-        <p:cNvPr id="116" name="Shape 116"/>
-        <p:cNvGrpSpPr/>
-        <p:nvPr/>
-      </p:nvGrpSpPr>
-      <p:grpSpPr>
-        <a:xfrm>
-          <a:off x="0" y="0"/>
-          <a:ext cx="0" cy="0"/>
-          <a:chOff x="0" y="0"/>
-          <a:chExt cx="0" cy="0"/>
-        </a:xfrm>
-      </p:grpSpPr>
-      <p:sp>
-        <p:nvSpPr>
-          <p:cNvPr id="117" name="Google Shape;117;p27"/>
-          <p:cNvSpPr txBox="1"/>
-          <p:nvPr/>
-        </p:nvSpPr>
-        <p:spPr>
-          <a:xfrm>
-            <a:off x="253425" y="263425"/>
-            <a:ext cx="8632200" cy="1697700"/>
-          </a:xfrm>
-          <a:prstGeom prst="rect">
-            <a:avLst/>
-          </a:prstGeom>
-          <a:noFill/>
-          <a:ln>
-            <a:noFill/>
-          </a:ln>
-        </p:spPr>
-        <p:txBody>
-          <a:bodyPr anchorCtr="0" anchor="t" bIns="91425" lIns="91425" spcFirstLastPara="1" rIns="91425" wrap="square" tIns="91425">
-            <a:noAutofit/>
-          </a:bodyPr>
-          <a:lstStyle/>
-          <a:p>
-            <a:pPr indent="0" lvl="0" marL="0" rtl="0" algn="ctr">
-              <a:spcBef>
-                <a:spcPts val="0"/>
-              </a:spcBef>
-              <a:spcAft>
-                <a:spcPts val="0"/>
-              </a:spcAft>
-              <a:buNone/>
-            </a:pPr>
-            <a:r>
-              <a:rPr lang="en" sz="3400">
-                <a:solidFill>
-                  <a:schemeClr val="dk2"/>
-                </a:solidFill>
-              </a:rPr>
-              <a:t>Session 1</a:t>
-            </a:r>
-            <a:endParaRPr sz="3400">
-              <a:solidFill>
-                <a:schemeClr val="dk2"/>
-              </a:solidFill>
-            </a:endParaRPr>
-          </a:p>
-          <a:p>
-            <a:pPr indent="0" lvl="0" marL="0" rtl="0" algn="ctr">
-              <a:spcBef>
-                <a:spcPts val="0"/>
-              </a:spcBef>
-              <a:spcAft>
-                <a:spcPts val="0"/>
-              </a:spcAft>
-              <a:buNone/>
-            </a:pPr>
-            <a:r>
-              <a:rPr lang="en" sz="3400" u="sng">
-                <a:solidFill>
-                  <a:schemeClr val="hlink"/>
-                </a:solidFill>
-                <a:hlinkClick r:id="rId3"/>
-              </a:rPr>
-              <a:t>https://tinyurl.com/psychoslav-jspsych1</a:t>
-            </a:r>
-            <a:endParaRPr sz="3400">
-              <a:solidFill>
-                <a:schemeClr val="dk2"/>
-              </a:solidFill>
-            </a:endParaRPr>
-          </a:p>
-        </p:txBody>
-      </p:sp>
-      <p:pic>
-        <p:nvPicPr>
-          <p:cNvPr id="118" name="Google Shape;118;p27"/>
-          <p:cNvPicPr preferRelativeResize="0"/>
-          <p:nvPr/>
-        </p:nvPicPr>
-        <p:blipFill>
-          <a:blip r:embed="rId4">
-            <a:alphaModFix/>
-          </a:blip>
-          <a:stretch>
-            <a:fillRect/>
-          </a:stretch>
-        </p:blipFill>
-        <p:spPr>
-          <a:xfrm>
-            <a:off x="3130725" y="1718650"/>
-            <a:ext cx="2877576" cy="2877576"/>
-          </a:xfrm>
-          <a:prstGeom prst="rect">
-            <a:avLst/>
-          </a:prstGeom>
-          <a:noFill/>
-          <a:ln>
-            <a:noFill/>
-          </a:ln>
-        </p:spPr>
-      </p:pic>
     </p:spTree>
   </p:cSld>
   <p:clrMapOvr>
@@ -11358,6 +11458,134 @@
                   <a:schemeClr val="dk2"/>
                 </a:solidFill>
               </a:rPr>
+              <a:t>Session 1</a:t>
+            </a:r>
+            <a:endParaRPr sz="3400">
+              <a:solidFill>
+                <a:schemeClr val="dk2"/>
+              </a:solidFill>
+            </a:endParaRPr>
+          </a:p>
+          <a:p>
+            <a:pPr indent="0" lvl="0" marL="0" rtl="0" algn="ctr">
+              <a:spcBef>
+                <a:spcPts val="0"/>
+              </a:spcBef>
+              <a:spcAft>
+                <a:spcPts val="0"/>
+              </a:spcAft>
+              <a:buNone/>
+            </a:pPr>
+            <a:r>
+              <a:rPr lang="en" sz="3400" u="sng">
+                <a:solidFill>
+                  <a:schemeClr val="hlink"/>
+                </a:solidFill>
+                <a:hlinkClick r:id="rId3"/>
+              </a:rPr>
+              <a:t>https://tinyurl.com/psychoslav-jspsych1</a:t>
+            </a:r>
+            <a:endParaRPr sz="3400">
+              <a:solidFill>
+                <a:schemeClr val="dk2"/>
+              </a:solidFill>
+            </a:endParaRPr>
+          </a:p>
+        </p:txBody>
+      </p:sp>
+      <p:pic>
+        <p:nvPicPr>
+          <p:cNvPr id="124" name="Google Shape;124;p28"/>
+          <p:cNvPicPr preferRelativeResize="0"/>
+          <p:nvPr/>
+        </p:nvPicPr>
+        <p:blipFill>
+          <a:blip r:embed="rId4">
+            <a:alphaModFix/>
+          </a:blip>
+          <a:stretch>
+            <a:fillRect/>
+          </a:stretch>
+        </p:blipFill>
+        <p:spPr>
+          <a:xfrm>
+            <a:off x="3130725" y="1718650"/>
+            <a:ext cx="2877576" cy="2877576"/>
+          </a:xfrm>
+          <a:prstGeom prst="rect">
+            <a:avLst/>
+          </a:prstGeom>
+          <a:noFill/>
+          <a:ln>
+            <a:noFill/>
+          </a:ln>
+        </p:spPr>
+      </p:pic>
+    </p:spTree>
+  </p:cSld>
+  <p:clrMapOvr>
+    <a:masterClrMapping/>
+  </p:clrMapOvr>
+</p:sld>
+</file>
+
+<file path=ppt/slides/slide5.xml><?xml version="1.0" encoding="utf-8"?>
+<p:sld xmlns:a="http://schemas.openxmlformats.org/drawingml/2006/main" xmlns:r="http://schemas.openxmlformats.org/officeDocument/2006/relationships" xmlns:mc="http://schemas.openxmlformats.org/markup-compatibility/2006" xmlns:mv="urn:schemas-microsoft-com:mac:vml" xmlns:p="http://schemas.openxmlformats.org/presentationml/2006/main" xmlns:c="http://schemas.openxmlformats.org/drawingml/2006/chart" xmlns:dgm="http://schemas.openxmlformats.org/drawingml/2006/diagram" xmlns:o="urn:schemas-microsoft-com:office:office" xmlns:v="urn:schemas-microsoft-com:vml" xmlns:pvml="urn:schemas-microsoft-com:office:powerpoint" xmlns:com="http://schemas.openxmlformats.org/drawingml/2006/compatibility" xmlns:p14="http://schemas.microsoft.com/office/powerpoint/2010/main" xmlns:p15="http://schemas.microsoft.com/office/powerpoint/2012/main" xmlns:ahyp="http://schemas.microsoft.com/office/drawing/2018/hyperlinkcolor">
+  <p:cSld>
+    <p:spTree>
+      <p:nvGrpSpPr>
+        <p:cNvPr id="128" name="Shape 128"/>
+        <p:cNvGrpSpPr/>
+        <p:nvPr/>
+      </p:nvGrpSpPr>
+      <p:grpSpPr>
+        <a:xfrm>
+          <a:off x="0" y="0"/>
+          <a:ext cx="0" cy="0"/>
+          <a:chOff x="0" y="0"/>
+          <a:chExt cx="0" cy="0"/>
+        </a:xfrm>
+      </p:grpSpPr>
+      <p:sp>
+        <p:nvSpPr>
+          <p:cNvPr id="129" name="Google Shape;129;p29"/>
+          <p:cNvSpPr txBox="1"/>
+          <p:nvPr/>
+        </p:nvSpPr>
+        <p:spPr>
+          <a:xfrm>
+            <a:off x="253425" y="263425"/>
+            <a:ext cx="8632200" cy="1697700"/>
+          </a:xfrm>
+          <a:prstGeom prst="rect">
+            <a:avLst/>
+          </a:prstGeom>
+          <a:noFill/>
+          <a:ln>
+            <a:noFill/>
+          </a:ln>
+        </p:spPr>
+        <p:txBody>
+          <a:bodyPr anchorCtr="0" anchor="t" bIns="91425" lIns="91425" spcFirstLastPara="1" rIns="91425" wrap="square" tIns="91425">
+            <a:noAutofit/>
+          </a:bodyPr>
+          <a:lstStyle/>
+          <a:p>
+            <a:pPr indent="0" lvl="0" marL="0" rtl="0" algn="ctr">
+              <a:spcBef>
+                <a:spcPts val="0"/>
+              </a:spcBef>
+              <a:spcAft>
+                <a:spcPts val="0"/>
+              </a:spcAft>
+              <a:buNone/>
+            </a:pPr>
+            <a:r>
+              <a:rPr lang="en" sz="3400">
+                <a:solidFill>
+                  <a:schemeClr val="dk2"/>
+                </a:solidFill>
+              </a:rPr>
               <a:t>Session 2</a:t>
             </a:r>
             <a:endParaRPr sz="3400">
@@ -11395,7 +11623,7 @@
       </p:sp>
       <p:pic>
         <p:nvPicPr>
-          <p:cNvPr id="124" name="Google Shape;124;p28"/>
+          <p:cNvPr id="130" name="Google Shape;130;p29"/>
           <p:cNvPicPr preferRelativeResize="0"/>
           <p:nvPr/>
         </p:nvPicPr>
@@ -11430,9 +11658,9 @@
 </file>
 
 <file path=ppt/theme/theme1.xml><?xml version="1.0" encoding="utf-8"?>
-<a:theme xmlns:a="http://schemas.openxmlformats.org/drawingml/2006/main" xmlns:r="http://schemas.openxmlformats.org/officeDocument/2006/relationships" name="Simple Light">
+<a:theme xmlns:a="http://schemas.openxmlformats.org/drawingml/2006/main" xmlns:r="http://schemas.openxmlformats.org/officeDocument/2006/relationships">
   <a:themeElements>
-    <a:clrScheme name="Simple Light">
+    <a:clrScheme name="Default">
       <a:dk1>
         <a:srgbClr val="000000"/>
       </a:dk1>
@@ -11440,34 +11668,34 @@
         <a:srgbClr val="FFFFFF"/>
       </a:lt1>
       <a:dk2>
-        <a:srgbClr val="595959"/>
+        <a:srgbClr val="158158"/>
       </a:dk2>
       <a:lt2>
-        <a:srgbClr val="EEEEEE"/>
+        <a:srgbClr val="F3F3F3"/>
       </a:lt2>
       <a:accent1>
-        <a:srgbClr val="4285F4"/>
+        <a:srgbClr val="058DC7"/>
       </a:accent1>
       <a:accent2>
-        <a:srgbClr val="212121"/>
+        <a:srgbClr val="50B432"/>
       </a:accent2>
       <a:accent3>
-        <a:srgbClr val="78909C"/>
+        <a:srgbClr val="ED561B"/>
       </a:accent3>
       <a:accent4>
-        <a:srgbClr val="FFAB40"/>
+        <a:srgbClr val="EDEF00"/>
       </a:accent4>
       <a:accent5>
-        <a:srgbClr val="0097A7"/>
+        <a:srgbClr val="24CBE5"/>
       </a:accent5>
       <a:accent6>
-        <a:srgbClr val="EEFF41"/>
+        <a:srgbClr val="64E572"/>
       </a:accent6>
       <a:hlink>
-        <a:srgbClr val="0097A7"/>
+        <a:srgbClr val="2200CC"/>
       </a:hlink>
       <a:folHlink>
-        <a:srgbClr val="0097A7"/>
+        <a:srgbClr val="551A8B"/>
       </a:folHlink>
     </a:clrScheme>
     <a:fontScheme name="Office">
@@ -11709,9 +11937,9 @@
 </file>
 
 <file path=ppt/theme/theme2.xml><?xml version="1.0" encoding="utf-8"?>
-<a:theme xmlns:a="http://schemas.openxmlformats.org/drawingml/2006/main" xmlns:r="http://schemas.openxmlformats.org/officeDocument/2006/relationships">
+<a:theme xmlns:a="http://schemas.openxmlformats.org/drawingml/2006/main" xmlns:r="http://schemas.openxmlformats.org/officeDocument/2006/relationships" name="Simple Light">
   <a:themeElements>
-    <a:clrScheme name="Default">
+    <a:clrScheme name="Simple Light">
       <a:dk1>
         <a:srgbClr val="000000"/>
       </a:dk1>
@@ -11719,34 +11947,34 @@
         <a:srgbClr val="FFFFFF"/>
       </a:lt1>
       <a:dk2>
-        <a:srgbClr val="158158"/>
+        <a:srgbClr val="595959"/>
       </a:dk2>
       <a:lt2>
-        <a:srgbClr val="F3F3F3"/>
+        <a:srgbClr val="EEEEEE"/>
       </a:lt2>
       <a:accent1>
-        <a:srgbClr val="058DC7"/>
+        <a:srgbClr val="4285F4"/>
       </a:accent1>
       <a:accent2>
-        <a:srgbClr val="50B432"/>
+        <a:srgbClr val="212121"/>
       </a:accent2>
       <a:accent3>
-        <a:srgbClr val="ED561B"/>
+        <a:srgbClr val="78909C"/>
       </a:accent3>
       <a:accent4>
-        <a:srgbClr val="EDEF00"/>
+        <a:srgbClr val="FFAB40"/>
       </a:accent4>
       <a:accent5>
-        <a:srgbClr val="24CBE5"/>
+        <a:srgbClr val="0097A7"/>
       </a:accent5>
       <a:accent6>
-        <a:srgbClr val="64E572"/>
+        <a:srgbClr val="EEFF41"/>
       </a:accent6>
       <a:hlink>
-        <a:srgbClr val="2200CC"/>
+        <a:srgbClr val="0097A7"/>
       </a:hlink>
       <a:folHlink>
-        <a:srgbClr val="551A8B"/>
+        <a:srgbClr val="0097A7"/>
       </a:folHlink>
     </a:clrScheme>
     <a:fontScheme name="Office">
